--- a/slides/演示文稿2.pptx
+++ b/slides/演示文稿2.pptx
@@ -7,6 +7,11 @@
   <p:sldIdLst>
     <p:sldId id="256" r:id="rId2"/>
     <p:sldId id="257" r:id="rId3"/>
+    <p:sldId id="258" r:id="rId4"/>
+    <p:sldId id="259" r:id="rId5"/>
+    <p:sldId id="260" r:id="rId6"/>
+    <p:sldId id="262" r:id="rId7"/>
+    <p:sldId id="261" r:id="rId8"/>
   </p:sldIdLst>
   <p:sldSz cx="12192000" cy="6858000"/>
   <p:notesSz cx="6858000" cy="9144000"/>
@@ -105,6 +110,11 @@
       </a:defRPr>
     </a:lvl9pPr>
   </p:defaultTextStyle>
+  <p:extLst>
+    <p:ext uri="{EFAFB233-063F-42B5-8137-9DF3F51BA10A}">
+      <p15:sldGuideLst xmlns:p15="http://schemas.microsoft.com/office/powerpoint/2012/main"/>
+    </p:ext>
+  </p:extLst>
 </p:presentation>
 </file>
 
@@ -255,7 +265,7 @@
           <a:p>
             <a:fld id="{45994ED4-1EF8-F545-B4BC-D8A4546AF5FC}" type="datetimeFigureOut">
               <a:rPr kumimoji="1" lang="zh-CN" altLang="en-US" smtClean="0"/>
-              <a:t>2023/10/3</a:t>
+              <a:t>2023/10/4</a:t>
             </a:fld>
             <a:endParaRPr kumimoji="1" lang="zh-CN" altLang="en-US"/>
           </a:p>
@@ -453,7 +463,7 @@
           <a:p>
             <a:fld id="{45994ED4-1EF8-F545-B4BC-D8A4546AF5FC}" type="datetimeFigureOut">
               <a:rPr kumimoji="1" lang="zh-CN" altLang="en-US" smtClean="0"/>
-              <a:t>2023/10/3</a:t>
+              <a:t>2023/10/4</a:t>
             </a:fld>
             <a:endParaRPr kumimoji="1" lang="zh-CN" altLang="en-US"/>
           </a:p>
@@ -661,7 +671,7 @@
           <a:p>
             <a:fld id="{45994ED4-1EF8-F545-B4BC-D8A4546AF5FC}" type="datetimeFigureOut">
               <a:rPr kumimoji="1" lang="zh-CN" altLang="en-US" smtClean="0"/>
-              <a:t>2023/10/3</a:t>
+              <a:t>2023/10/4</a:t>
             </a:fld>
             <a:endParaRPr kumimoji="1" lang="zh-CN" altLang="en-US"/>
           </a:p>
@@ -859,7 +869,7 @@
           <a:p>
             <a:fld id="{45994ED4-1EF8-F545-B4BC-D8A4546AF5FC}" type="datetimeFigureOut">
               <a:rPr kumimoji="1" lang="zh-CN" altLang="en-US" smtClean="0"/>
-              <a:t>2023/10/3</a:t>
+              <a:t>2023/10/4</a:t>
             </a:fld>
             <a:endParaRPr kumimoji="1" lang="zh-CN" altLang="en-US"/>
           </a:p>
@@ -1134,7 +1144,7 @@
           <a:p>
             <a:fld id="{45994ED4-1EF8-F545-B4BC-D8A4546AF5FC}" type="datetimeFigureOut">
               <a:rPr kumimoji="1" lang="zh-CN" altLang="en-US" smtClean="0"/>
-              <a:t>2023/10/3</a:t>
+              <a:t>2023/10/4</a:t>
             </a:fld>
             <a:endParaRPr kumimoji="1" lang="zh-CN" altLang="en-US"/>
           </a:p>
@@ -1399,7 +1409,7 @@
           <a:p>
             <a:fld id="{45994ED4-1EF8-F545-B4BC-D8A4546AF5FC}" type="datetimeFigureOut">
               <a:rPr kumimoji="1" lang="zh-CN" altLang="en-US" smtClean="0"/>
-              <a:t>2023/10/3</a:t>
+              <a:t>2023/10/4</a:t>
             </a:fld>
             <a:endParaRPr kumimoji="1" lang="zh-CN" altLang="en-US"/>
           </a:p>
@@ -1811,7 +1821,7 @@
           <a:p>
             <a:fld id="{45994ED4-1EF8-F545-B4BC-D8A4546AF5FC}" type="datetimeFigureOut">
               <a:rPr kumimoji="1" lang="zh-CN" altLang="en-US" smtClean="0"/>
-              <a:t>2023/10/3</a:t>
+              <a:t>2023/10/4</a:t>
             </a:fld>
             <a:endParaRPr kumimoji="1" lang="zh-CN" altLang="en-US"/>
           </a:p>
@@ -1952,7 +1962,7 @@
           <a:p>
             <a:fld id="{45994ED4-1EF8-F545-B4BC-D8A4546AF5FC}" type="datetimeFigureOut">
               <a:rPr kumimoji="1" lang="zh-CN" altLang="en-US" smtClean="0"/>
-              <a:t>2023/10/3</a:t>
+              <a:t>2023/10/4</a:t>
             </a:fld>
             <a:endParaRPr kumimoji="1" lang="zh-CN" altLang="en-US"/>
           </a:p>
@@ -2065,7 +2075,7 @@
           <a:p>
             <a:fld id="{45994ED4-1EF8-F545-B4BC-D8A4546AF5FC}" type="datetimeFigureOut">
               <a:rPr kumimoji="1" lang="zh-CN" altLang="en-US" smtClean="0"/>
-              <a:t>2023/10/3</a:t>
+              <a:t>2023/10/4</a:t>
             </a:fld>
             <a:endParaRPr kumimoji="1" lang="zh-CN" altLang="en-US"/>
           </a:p>
@@ -2376,7 +2386,7 @@
           <a:p>
             <a:fld id="{45994ED4-1EF8-F545-B4BC-D8A4546AF5FC}" type="datetimeFigureOut">
               <a:rPr kumimoji="1" lang="zh-CN" altLang="en-US" smtClean="0"/>
-              <a:t>2023/10/3</a:t>
+              <a:t>2023/10/4</a:t>
             </a:fld>
             <a:endParaRPr kumimoji="1" lang="zh-CN" altLang="en-US"/>
           </a:p>
@@ -2664,7 +2674,7 @@
           <a:p>
             <a:fld id="{45994ED4-1EF8-F545-B4BC-D8A4546AF5FC}" type="datetimeFigureOut">
               <a:rPr kumimoji="1" lang="zh-CN" altLang="en-US" smtClean="0"/>
-              <a:t>2023/10/3</a:t>
+              <a:t>2023/10/4</a:t>
             </a:fld>
             <a:endParaRPr kumimoji="1" lang="zh-CN" altLang="en-US"/>
           </a:p>
@@ -2905,7 +2915,7 @@
           <a:p>
             <a:fld id="{45994ED4-1EF8-F545-B4BC-D8A4546AF5FC}" type="datetimeFigureOut">
               <a:rPr kumimoji="1" lang="zh-CN" altLang="en-US" smtClean="0"/>
-              <a:t>2023/10/3</a:t>
+              <a:t>2023/10/4</a:t>
             </a:fld>
             <a:endParaRPr kumimoji="1" lang="zh-CN" altLang="en-US"/>
           </a:p>
@@ -3606,6 +3616,585 @@
 </p:sld>
 </file>
 
+<file path=ppt/slides/slide3.xml><?xml version="1.0" encoding="utf-8"?>
+<p:sld xmlns:a="http://schemas.openxmlformats.org/drawingml/2006/main" xmlns:r="http://schemas.openxmlformats.org/officeDocument/2006/relationships" xmlns:p="http://schemas.openxmlformats.org/presentationml/2006/main">
+  <p:cSld>
+    <p:spTree>
+      <p:nvGrpSpPr>
+        <p:cNvPr id="1" name=""/>
+        <p:cNvGrpSpPr/>
+        <p:nvPr/>
+      </p:nvGrpSpPr>
+      <p:grpSpPr>
+        <a:xfrm>
+          <a:off x="0" y="0"/>
+          <a:ext cx="0" cy="0"/>
+          <a:chOff x="0" y="0"/>
+          <a:chExt cx="0" cy="0"/>
+        </a:xfrm>
+      </p:grpSpPr>
+      <p:sp>
+        <p:nvSpPr>
+          <p:cNvPr id="2" name="标题 1">
+            <a:extLst>
+              <a:ext uri="{FF2B5EF4-FFF2-40B4-BE49-F238E27FC236}">
+                <a16:creationId xmlns:a16="http://schemas.microsoft.com/office/drawing/2014/main" id="{0E3B9BCE-89F8-CB1B-147A-F798478E1730}"/>
+              </a:ext>
+            </a:extLst>
+          </p:cNvPr>
+          <p:cNvSpPr>
+            <a:spLocks noGrp="1"/>
+          </p:cNvSpPr>
+          <p:nvPr>
+            <p:ph type="title"/>
+          </p:nvPr>
+        </p:nvSpPr>
+        <p:spPr/>
+        <p:txBody>
+          <a:bodyPr>
+            <a:normAutofit/>
+          </a:bodyPr>
+          <a:lstStyle/>
+          <a:p>
+            <a:r>
+              <a:rPr lang="en-US" altLang="zh-CN" b="1" i="0" dirty="0">
+                <a:solidFill>
+                  <a:srgbClr val="4C4C4C"/>
+                </a:solidFill>
+                <a:effectLst/>
+                <a:latin typeface="Avenir Next" panose="020B0503020202020204" pitchFamily="34" charset="0"/>
+              </a:rPr>
+              <a:t>Cycling Sites in Hong Kong</a:t>
+            </a:r>
+            <a:endParaRPr kumimoji="1" lang="zh-CN" altLang="en-US" dirty="0"/>
+          </a:p>
+        </p:txBody>
+      </p:sp>
+      <p:sp>
+        <p:nvSpPr>
+          <p:cNvPr id="3" name="内容占位符 2">
+            <a:extLst>
+              <a:ext uri="{FF2B5EF4-FFF2-40B4-BE49-F238E27FC236}">
+                <a16:creationId xmlns:a16="http://schemas.microsoft.com/office/drawing/2014/main" id="{1D7EB10C-CA75-E4B0-FE1C-F5EB0181BF98}"/>
+              </a:ext>
+            </a:extLst>
+          </p:cNvPr>
+          <p:cNvSpPr>
+            <a:spLocks noGrp="1"/>
+          </p:cNvSpPr>
+          <p:nvPr>
+            <p:ph idx="1"/>
+          </p:nvPr>
+        </p:nvSpPr>
+        <p:spPr/>
+        <p:txBody>
+          <a:bodyPr/>
+          <a:lstStyle/>
+          <a:p>
+            <a:endParaRPr kumimoji="1" lang="zh-CN" altLang="en-US" dirty="0"/>
+          </a:p>
+        </p:txBody>
+      </p:sp>
+      <p:pic>
+        <p:nvPicPr>
+          <p:cNvPr id="4" name="图片 3">
+            <a:extLst>
+              <a:ext uri="{FF2B5EF4-FFF2-40B4-BE49-F238E27FC236}">
+                <a16:creationId xmlns:a16="http://schemas.microsoft.com/office/drawing/2014/main" id="{DFB4AFC2-B518-1842-8270-E768E46CBAA5}"/>
+              </a:ext>
+            </a:extLst>
+          </p:cNvPr>
+          <p:cNvPicPr>
+            <a:picLocks noChangeAspect="1"/>
+          </p:cNvPicPr>
+          <p:nvPr/>
+        </p:nvPicPr>
+        <p:blipFill>
+          <a:blip r:embed="rId2"/>
+          <a:stretch>
+            <a:fillRect/>
+          </a:stretch>
+        </p:blipFill>
+        <p:spPr>
+          <a:xfrm>
+            <a:off x="3095329" y="1479630"/>
+            <a:ext cx="6193971" cy="5013245"/>
+          </a:xfrm>
+          <a:prstGeom prst="rect">
+            <a:avLst/>
+          </a:prstGeom>
+        </p:spPr>
+      </p:pic>
+    </p:spTree>
+    <p:extLst>
+      <p:ext uri="{BB962C8B-B14F-4D97-AF65-F5344CB8AC3E}">
+        <p14:creationId xmlns:p14="http://schemas.microsoft.com/office/powerpoint/2010/main" val="1247303085"/>
+      </p:ext>
+    </p:extLst>
+  </p:cSld>
+  <p:clrMapOvr>
+    <a:masterClrMapping/>
+  </p:clrMapOvr>
+</p:sld>
+</file>
+
+<file path=ppt/slides/slide4.xml><?xml version="1.0" encoding="utf-8"?>
+<p:sld xmlns:a="http://schemas.openxmlformats.org/drawingml/2006/main" xmlns:r="http://schemas.openxmlformats.org/officeDocument/2006/relationships" xmlns:p="http://schemas.openxmlformats.org/presentationml/2006/main">
+  <p:cSld>
+    <p:spTree>
+      <p:nvGrpSpPr>
+        <p:cNvPr id="1" name=""/>
+        <p:cNvGrpSpPr/>
+        <p:nvPr/>
+      </p:nvGrpSpPr>
+      <p:grpSpPr>
+        <a:xfrm>
+          <a:off x="0" y="0"/>
+          <a:ext cx="0" cy="0"/>
+          <a:chOff x="0" y="0"/>
+          <a:chExt cx="0" cy="0"/>
+        </a:xfrm>
+      </p:grpSpPr>
+      <p:sp>
+        <p:nvSpPr>
+          <p:cNvPr id="2" name="标题 1">
+            <a:extLst>
+              <a:ext uri="{FF2B5EF4-FFF2-40B4-BE49-F238E27FC236}">
+                <a16:creationId xmlns:a16="http://schemas.microsoft.com/office/drawing/2014/main" id="{F95B538B-D44F-B674-52E4-C2EE0C98FB58}"/>
+              </a:ext>
+            </a:extLst>
+          </p:cNvPr>
+          <p:cNvSpPr>
+            <a:spLocks noGrp="1"/>
+          </p:cNvSpPr>
+          <p:nvPr>
+            <p:ph type="title"/>
+          </p:nvPr>
+        </p:nvSpPr>
+        <p:spPr/>
+        <p:txBody>
+          <a:bodyPr>
+            <a:normAutofit/>
+          </a:bodyPr>
+          <a:lstStyle/>
+          <a:p>
+            <a:r>
+              <a:rPr lang="en-US" altLang="zh-CN" b="1" i="0" dirty="0">
+                <a:solidFill>
+                  <a:srgbClr val="4C4C4C"/>
+                </a:solidFill>
+                <a:effectLst/>
+                <a:latin typeface="Avenir Next" panose="020B0503020202020204" pitchFamily="34" charset="0"/>
+              </a:rPr>
+              <a:t>Cycle tracks in Hong Kong</a:t>
+            </a:r>
+            <a:endParaRPr kumimoji="1" lang="zh-CN" altLang="en-US" dirty="0"/>
+          </a:p>
+        </p:txBody>
+      </p:sp>
+      <p:pic>
+        <p:nvPicPr>
+          <p:cNvPr id="4" name="内容占位符 3">
+            <a:extLst>
+              <a:ext uri="{FF2B5EF4-FFF2-40B4-BE49-F238E27FC236}">
+                <a16:creationId xmlns:a16="http://schemas.microsoft.com/office/drawing/2014/main" id="{14EE5CA6-F58D-594B-A7C6-427B6E39B2FD}"/>
+              </a:ext>
+            </a:extLst>
+          </p:cNvPr>
+          <p:cNvPicPr>
+            <a:picLocks noGrp="1" noChangeAspect="1"/>
+          </p:cNvPicPr>
+          <p:nvPr>
+            <p:ph idx="1"/>
+          </p:nvPr>
+        </p:nvPicPr>
+        <p:blipFill>
+          <a:blip r:embed="rId2"/>
+          <a:stretch>
+            <a:fillRect/>
+          </a:stretch>
+        </p:blipFill>
+        <p:spPr>
+          <a:xfrm>
+            <a:off x="3264916" y="1488168"/>
+            <a:ext cx="5662168" cy="4351338"/>
+          </a:xfrm>
+          <a:prstGeom prst="rect">
+            <a:avLst/>
+          </a:prstGeom>
+        </p:spPr>
+      </p:pic>
+    </p:spTree>
+    <p:extLst>
+      <p:ext uri="{BB962C8B-B14F-4D97-AF65-F5344CB8AC3E}">
+        <p14:creationId xmlns:p14="http://schemas.microsoft.com/office/powerpoint/2010/main" val="1454953909"/>
+      </p:ext>
+    </p:extLst>
+  </p:cSld>
+  <p:clrMapOvr>
+    <a:masterClrMapping/>
+  </p:clrMapOvr>
+</p:sld>
+</file>
+
+<file path=ppt/slides/slide5.xml><?xml version="1.0" encoding="utf-8"?>
+<p:sld xmlns:a="http://schemas.openxmlformats.org/drawingml/2006/main" xmlns:r="http://schemas.openxmlformats.org/officeDocument/2006/relationships" xmlns:p="http://schemas.openxmlformats.org/presentationml/2006/main">
+  <p:cSld>
+    <p:spTree>
+      <p:nvGrpSpPr>
+        <p:cNvPr id="1" name=""/>
+        <p:cNvGrpSpPr/>
+        <p:nvPr/>
+      </p:nvGrpSpPr>
+      <p:grpSpPr>
+        <a:xfrm>
+          <a:off x="0" y="0"/>
+          <a:ext cx="0" cy="0"/>
+          <a:chOff x="0" y="0"/>
+          <a:chExt cx="0" cy="0"/>
+        </a:xfrm>
+      </p:grpSpPr>
+      <p:sp>
+        <p:nvSpPr>
+          <p:cNvPr id="2" name="标题 1">
+            <a:extLst>
+              <a:ext uri="{FF2B5EF4-FFF2-40B4-BE49-F238E27FC236}">
+                <a16:creationId xmlns:a16="http://schemas.microsoft.com/office/drawing/2014/main" id="{BD00F6E4-A201-3FF3-7DC2-1B193BE00C76}"/>
+              </a:ext>
+            </a:extLst>
+          </p:cNvPr>
+          <p:cNvSpPr>
+            <a:spLocks noGrp="1"/>
+          </p:cNvSpPr>
+          <p:nvPr>
+            <p:ph type="title"/>
+          </p:nvPr>
+        </p:nvSpPr>
+        <p:spPr/>
+        <p:txBody>
+          <a:bodyPr/>
+          <a:lstStyle/>
+          <a:p>
+            <a:endParaRPr kumimoji="1" lang="zh-CN" altLang="en-US"/>
+          </a:p>
+        </p:txBody>
+      </p:sp>
+      <p:pic>
+        <p:nvPicPr>
+          <p:cNvPr id="4" name="内容占位符 3">
+            <a:extLst>
+              <a:ext uri="{FF2B5EF4-FFF2-40B4-BE49-F238E27FC236}">
+                <a16:creationId xmlns:a16="http://schemas.microsoft.com/office/drawing/2014/main" id="{6AD251DA-CF49-1400-9E66-6A41417B463F}"/>
+              </a:ext>
+            </a:extLst>
+          </p:cNvPr>
+          <p:cNvPicPr>
+            <a:picLocks noGrp="1" noChangeAspect="1"/>
+          </p:cNvPicPr>
+          <p:nvPr>
+            <p:ph idx="1"/>
+          </p:nvPr>
+        </p:nvPicPr>
+        <p:blipFill>
+          <a:blip r:embed="rId2"/>
+          <a:stretch>
+            <a:fillRect/>
+          </a:stretch>
+        </p:blipFill>
+        <p:spPr>
+          <a:xfrm>
+            <a:off x="838200" y="1891883"/>
+            <a:ext cx="10515600" cy="1912944"/>
+          </a:xfrm>
+          <a:prstGeom prst="rect">
+            <a:avLst/>
+          </a:prstGeom>
+        </p:spPr>
+      </p:pic>
+    </p:spTree>
+    <p:extLst>
+      <p:ext uri="{BB962C8B-B14F-4D97-AF65-F5344CB8AC3E}">
+        <p14:creationId xmlns:p14="http://schemas.microsoft.com/office/powerpoint/2010/main" val="915099218"/>
+      </p:ext>
+    </p:extLst>
+  </p:cSld>
+  <p:clrMapOvr>
+    <a:masterClrMapping/>
+  </p:clrMapOvr>
+</p:sld>
+</file>
+
+<file path=ppt/slides/slide6.xml><?xml version="1.0" encoding="utf-8"?>
+<p:sld xmlns:a="http://schemas.openxmlformats.org/drawingml/2006/main" xmlns:r="http://schemas.openxmlformats.org/officeDocument/2006/relationships" xmlns:p="http://schemas.openxmlformats.org/presentationml/2006/main">
+  <p:cSld>
+    <p:spTree>
+      <p:nvGrpSpPr>
+        <p:cNvPr id="1" name=""/>
+        <p:cNvGrpSpPr/>
+        <p:nvPr/>
+      </p:nvGrpSpPr>
+      <p:grpSpPr>
+        <a:xfrm>
+          <a:off x="0" y="0"/>
+          <a:ext cx="0" cy="0"/>
+          <a:chOff x="0" y="0"/>
+          <a:chExt cx="0" cy="0"/>
+        </a:xfrm>
+      </p:grpSpPr>
+      <p:sp>
+        <p:nvSpPr>
+          <p:cNvPr id="2" name="标题 1">
+            <a:extLst>
+              <a:ext uri="{FF2B5EF4-FFF2-40B4-BE49-F238E27FC236}">
+                <a16:creationId xmlns:a16="http://schemas.microsoft.com/office/drawing/2014/main" id="{E2B1984D-A376-510F-8DDF-FAF2A1A3E9AD}"/>
+              </a:ext>
+            </a:extLst>
+          </p:cNvPr>
+          <p:cNvSpPr>
+            <a:spLocks noGrp="1"/>
+          </p:cNvSpPr>
+          <p:nvPr>
+            <p:ph type="title"/>
+          </p:nvPr>
+        </p:nvSpPr>
+        <p:spPr/>
+        <p:txBody>
+          <a:bodyPr/>
+          <a:lstStyle/>
+          <a:p>
+            <a:endParaRPr kumimoji="1" lang="zh-CN" altLang="en-US"/>
+          </a:p>
+        </p:txBody>
+      </p:sp>
+      <p:sp>
+        <p:nvSpPr>
+          <p:cNvPr id="3" name="内容占位符 2">
+            <a:extLst>
+              <a:ext uri="{FF2B5EF4-FFF2-40B4-BE49-F238E27FC236}">
+                <a16:creationId xmlns:a16="http://schemas.microsoft.com/office/drawing/2014/main" id="{D871F9DC-F3B2-84E8-ADAF-C508F4E0D536}"/>
+              </a:ext>
+            </a:extLst>
+          </p:cNvPr>
+          <p:cNvSpPr>
+            <a:spLocks noGrp="1"/>
+          </p:cNvSpPr>
+          <p:nvPr>
+            <p:ph idx="1"/>
+          </p:nvPr>
+        </p:nvSpPr>
+        <p:spPr/>
+        <p:txBody>
+          <a:bodyPr/>
+          <a:lstStyle/>
+          <a:p>
+            <a:r>
+              <a:rPr kumimoji="1" lang="zh-CN" altLang="en-US" dirty="0"/>
+              <a:t>从香港的街景</a:t>
+            </a:r>
+            <a:r>
+              <a:rPr kumimoji="1" lang="en-US" altLang="zh-CN" dirty="0"/>
+              <a:t>-</a:t>
+            </a:r>
+            <a:r>
+              <a:rPr kumimoji="1" lang="zh-CN" altLang="en-US" dirty="0"/>
+              <a:t>提取街景</a:t>
+            </a:r>
+            <a:r>
+              <a:rPr kumimoji="1" lang="en-US" altLang="zh-CN" dirty="0"/>
+              <a:t>feature-&gt;</a:t>
+            </a:r>
+            <a:r>
+              <a:rPr kumimoji="1" lang="zh-CN" altLang="en-US" dirty="0"/>
+              <a:t>娱乐为目的的街景特征</a:t>
+            </a:r>
+            <a:endParaRPr kumimoji="1" lang="en-US" altLang="zh-CN" dirty="0"/>
+          </a:p>
+          <a:p>
+            <a:r>
+              <a:rPr kumimoji="1" lang="zh-CN" altLang="en-US" dirty="0"/>
+              <a:t>提取出来的特征与伦敦的街景比对，选出与香港街景特征相近的街景</a:t>
+            </a:r>
+            <a:endParaRPr kumimoji="1" lang="en-US" altLang="zh-CN" dirty="0"/>
+          </a:p>
+          <a:p>
+            <a:r>
+              <a:rPr kumimoji="1" lang="zh-CN" altLang="en-US" dirty="0"/>
+              <a:t>提取出来的街景的和娱乐</a:t>
+            </a:r>
+            <a:r>
+              <a:rPr kumimoji="1" lang="en-US" altLang="zh-CN" dirty="0"/>
+              <a:t>/</a:t>
+            </a:r>
+            <a:r>
+              <a:rPr kumimoji="1" lang="zh-CN" altLang="en-US" dirty="0"/>
+              <a:t>非娱乐目的的</a:t>
+            </a:r>
+            <a:r>
+              <a:rPr kumimoji="1" lang="en-US" altLang="zh-CN" dirty="0"/>
+              <a:t>cycling</a:t>
+            </a:r>
+            <a:r>
+              <a:rPr kumimoji="1" lang="zh-CN" altLang="en-US" dirty="0"/>
+              <a:t> </a:t>
+            </a:r>
+            <a:r>
+              <a:rPr kumimoji="1" lang="en-US" altLang="zh-CN" dirty="0"/>
+              <a:t>pattern</a:t>
+            </a:r>
+            <a:r>
+              <a:rPr kumimoji="1" lang="zh-CN" altLang="en-US" dirty="0"/>
+              <a:t>做比对，看他们的</a:t>
+            </a:r>
+            <a:r>
+              <a:rPr kumimoji="1" lang="en-US" altLang="zh-CN" dirty="0"/>
+              <a:t>pattern</a:t>
+            </a:r>
+            <a:r>
+              <a:rPr kumimoji="1" lang="zh-CN" altLang="en-US" dirty="0"/>
+              <a:t>是不是</a:t>
+            </a:r>
+            <a:r>
+              <a:rPr kumimoji="1" lang="en-US" altLang="zh-CN"/>
+              <a:t>distinguishable</a:t>
+            </a:r>
+          </a:p>
+        </p:txBody>
+      </p:sp>
+    </p:spTree>
+    <p:extLst>
+      <p:ext uri="{BB962C8B-B14F-4D97-AF65-F5344CB8AC3E}">
+        <p14:creationId xmlns:p14="http://schemas.microsoft.com/office/powerpoint/2010/main" val="1693703717"/>
+      </p:ext>
+    </p:extLst>
+  </p:cSld>
+  <p:clrMapOvr>
+    <a:masterClrMapping/>
+  </p:clrMapOvr>
+</p:sld>
+</file>
+
+<file path=ppt/slides/slide7.xml><?xml version="1.0" encoding="utf-8"?>
+<p:sld xmlns:a="http://schemas.openxmlformats.org/drawingml/2006/main" xmlns:r="http://schemas.openxmlformats.org/officeDocument/2006/relationships" xmlns:p="http://schemas.openxmlformats.org/presentationml/2006/main">
+  <p:cSld>
+    <p:spTree>
+      <p:nvGrpSpPr>
+        <p:cNvPr id="1" name=""/>
+        <p:cNvGrpSpPr/>
+        <p:nvPr/>
+      </p:nvGrpSpPr>
+      <p:grpSpPr>
+        <a:xfrm>
+          <a:off x="0" y="0"/>
+          <a:ext cx="0" cy="0"/>
+          <a:chOff x="0" y="0"/>
+          <a:chExt cx="0" cy="0"/>
+        </a:xfrm>
+      </p:grpSpPr>
+      <p:sp>
+        <p:nvSpPr>
+          <p:cNvPr id="2" name="标题 1">
+            <a:extLst>
+              <a:ext uri="{FF2B5EF4-FFF2-40B4-BE49-F238E27FC236}">
+                <a16:creationId xmlns:a16="http://schemas.microsoft.com/office/drawing/2014/main" id="{7044BAB3-C06F-E1FA-B639-40233E914407}"/>
+              </a:ext>
+            </a:extLst>
+          </p:cNvPr>
+          <p:cNvSpPr>
+            <a:spLocks noGrp="1"/>
+          </p:cNvSpPr>
+          <p:nvPr>
+            <p:ph type="title"/>
+          </p:nvPr>
+        </p:nvSpPr>
+        <p:spPr/>
+        <p:txBody>
+          <a:bodyPr/>
+          <a:lstStyle/>
+          <a:p>
+            <a:r>
+              <a:rPr kumimoji="1" lang="en-US" altLang="zh-CN" dirty="0"/>
+              <a:t>London</a:t>
+            </a:r>
+            <a:r>
+              <a:rPr kumimoji="1" lang="zh-CN" altLang="en-US" dirty="0"/>
+              <a:t> </a:t>
+            </a:r>
+            <a:r>
+              <a:rPr kumimoji="1" lang="en-US" altLang="zh-CN" dirty="0"/>
+              <a:t>cycling count data</a:t>
+            </a:r>
+            <a:endParaRPr kumimoji="1" lang="zh-CN" altLang="en-US" dirty="0"/>
+          </a:p>
+        </p:txBody>
+      </p:sp>
+      <p:sp>
+        <p:nvSpPr>
+          <p:cNvPr id="3" name="内容占位符 2">
+            <a:extLst>
+              <a:ext uri="{FF2B5EF4-FFF2-40B4-BE49-F238E27FC236}">
+                <a16:creationId xmlns:a16="http://schemas.microsoft.com/office/drawing/2014/main" id="{73072728-D37C-3A2F-9CC7-4B01DC04C218}"/>
+              </a:ext>
+            </a:extLst>
+          </p:cNvPr>
+          <p:cNvSpPr>
+            <a:spLocks noGrp="1"/>
+          </p:cNvSpPr>
+          <p:nvPr>
+            <p:ph idx="1"/>
+          </p:nvPr>
+        </p:nvSpPr>
+        <p:spPr/>
+        <p:txBody>
+          <a:bodyPr/>
+          <a:lstStyle/>
+          <a:p>
+            <a:endParaRPr kumimoji="1" lang="zh-CN" altLang="en-US"/>
+          </a:p>
+        </p:txBody>
+      </p:sp>
+      <p:pic>
+        <p:nvPicPr>
+          <p:cNvPr id="4" name="图片 3">
+            <a:extLst>
+              <a:ext uri="{FF2B5EF4-FFF2-40B4-BE49-F238E27FC236}">
+                <a16:creationId xmlns:a16="http://schemas.microsoft.com/office/drawing/2014/main" id="{DF480057-0600-FDF1-240B-8FE0FE0A67C6}"/>
+              </a:ext>
+            </a:extLst>
+          </p:cNvPr>
+          <p:cNvPicPr>
+            <a:picLocks noChangeAspect="1"/>
+          </p:cNvPicPr>
+          <p:nvPr/>
+        </p:nvPicPr>
+        <p:blipFill>
+          <a:blip r:embed="rId2"/>
+          <a:stretch>
+            <a:fillRect/>
+          </a:stretch>
+        </p:blipFill>
+        <p:spPr>
+          <a:xfrm>
+            <a:off x="327001" y="1825625"/>
+            <a:ext cx="11537997" cy="3316218"/>
+          </a:xfrm>
+          <a:prstGeom prst="rect">
+            <a:avLst/>
+          </a:prstGeom>
+        </p:spPr>
+      </p:pic>
+    </p:spTree>
+    <p:extLst>
+      <p:ext uri="{BB962C8B-B14F-4D97-AF65-F5344CB8AC3E}">
+        <p14:creationId xmlns:p14="http://schemas.microsoft.com/office/powerpoint/2010/main" val="41250132"/>
+      </p:ext>
+    </p:extLst>
+  </p:cSld>
+  <p:clrMapOvr>
+    <a:masterClrMapping/>
+  </p:clrMapOvr>
+</p:sld>
+</file>
+
 <file path=ppt/theme/theme1.xml><?xml version="1.0" encoding="utf-8"?>
 <a:theme xmlns:a="http://schemas.openxmlformats.org/drawingml/2006/main" name="Office 主题​​">
   <a:themeElements>
